--- a/beta_design.pptx
+++ b/beta_design.pptx
@@ -106,6 +106,11 @@
       </a:defRPr>
     </a:lvl9pPr>
   </p:defaultTextStyle>
+  <p:extLst>
+    <p:ext uri="{EFAFB233-063F-42B5-8137-9DF3F51BA10A}">
+      <p15:sldGuideLst xmlns:p15="http://schemas.microsoft.com/office/powerpoint/2012/main"/>
+    </p:ext>
+  </p:extLst>
 </p:presentation>
 </file>
 
@@ -378,11 +383,11 @@
           <c:showBubbleSize val="0"/>
         </c:dLbls>
         <c:smooth val="0"/>
-        <c:axId val="-1825979168"/>
-        <c:axId val="-1824996480"/>
+        <c:axId val="-1837674672"/>
+        <c:axId val="-1837672352"/>
       </c:lineChart>
       <c:catAx>
-        <c:axId val="-1825979168"/>
+        <c:axId val="-1837674672"/>
         <c:scaling>
           <c:orientation val="minMax"/>
         </c:scaling>
@@ -425,7 +430,7 @@
             <a:endParaRPr lang="en-US"/>
           </a:p>
         </c:txPr>
-        <c:crossAx val="-1824996480"/>
+        <c:crossAx val="-1837672352"/>
         <c:crosses val="autoZero"/>
         <c:auto val="1"/>
         <c:lblAlgn val="ctr"/>
@@ -433,7 +438,7 @@
         <c:noMultiLvlLbl val="0"/>
       </c:catAx>
       <c:valAx>
-        <c:axId val="-1824996480"/>
+        <c:axId val="-1837672352"/>
         <c:scaling>
           <c:orientation val="minMax"/>
         </c:scaling>
@@ -483,7 +488,7 @@
             <a:endParaRPr lang="en-US"/>
           </a:p>
         </c:txPr>
-        <c:crossAx val="-1825979168"/>
+        <c:crossAx val="-1837674672"/>
         <c:crosses val="autoZero"/>
         <c:crossBetween val="between"/>
       </c:valAx>
@@ -782,11 +787,11 @@
         </c:dLbls>
         <c:gapWidth val="219"/>
         <c:overlap val="-27"/>
-        <c:axId val="-1826720736"/>
-        <c:axId val="-1824480336"/>
+        <c:axId val="-1837381488"/>
+        <c:axId val="-1837378736"/>
       </c:barChart>
       <c:catAx>
-        <c:axId val="-1826720736"/>
+        <c:axId val="-1837381488"/>
         <c:scaling>
           <c:orientation val="minMax"/>
         </c:scaling>
@@ -829,7 +834,7 @@
             <a:endParaRPr lang="en-US"/>
           </a:p>
         </c:txPr>
-        <c:crossAx val="-1824480336"/>
+        <c:crossAx val="-1837378736"/>
         <c:crosses val="autoZero"/>
         <c:auto val="1"/>
         <c:lblAlgn val="ctr"/>
@@ -837,7 +842,7 @@
         <c:noMultiLvlLbl val="0"/>
       </c:catAx>
       <c:valAx>
-        <c:axId val="-1824480336"/>
+        <c:axId val="-1837378736"/>
         <c:scaling>
           <c:orientation val="minMax"/>
         </c:scaling>
@@ -887,7 +892,7 @@
             <a:endParaRPr lang="en-US"/>
           </a:p>
         </c:txPr>
-        <c:crossAx val="-1826720736"/>
+        <c:crossAx val="-1837381488"/>
         <c:crosses val="autoZero"/>
         <c:crossBetween val="between"/>
       </c:valAx>
@@ -2188,7 +2193,7 @@
           <a:p>
             <a:fld id="{A2849F09-FB7A-2949-B4A2-32B57A66BBED}" type="datetimeFigureOut">
               <a:rPr lang="en-US" smtClean="0"/>
-              <a:t>9/26/17</a:t>
+              <a:t>9/28/17</a:t>
             </a:fld>
             <a:endParaRPr lang="en-US"/>
           </a:p>
@@ -2358,7 +2363,7 @@
           <a:p>
             <a:fld id="{A2849F09-FB7A-2949-B4A2-32B57A66BBED}" type="datetimeFigureOut">
               <a:rPr lang="en-US" smtClean="0"/>
-              <a:t>9/26/17</a:t>
+              <a:t>9/28/17</a:t>
             </a:fld>
             <a:endParaRPr lang="en-US"/>
           </a:p>
@@ -2538,7 +2543,7 @@
           <a:p>
             <a:fld id="{A2849F09-FB7A-2949-B4A2-32B57A66BBED}" type="datetimeFigureOut">
               <a:rPr lang="en-US" smtClean="0"/>
-              <a:t>9/26/17</a:t>
+              <a:t>9/28/17</a:t>
             </a:fld>
             <a:endParaRPr lang="en-US"/>
           </a:p>
@@ -2708,7 +2713,7 @@
           <a:p>
             <a:fld id="{A2849F09-FB7A-2949-B4A2-32B57A66BBED}" type="datetimeFigureOut">
               <a:rPr lang="en-US" smtClean="0"/>
-              <a:t>9/26/17</a:t>
+              <a:t>9/28/17</a:t>
             </a:fld>
             <a:endParaRPr lang="en-US"/>
           </a:p>
@@ -2954,7 +2959,7 @@
           <a:p>
             <a:fld id="{A2849F09-FB7A-2949-B4A2-32B57A66BBED}" type="datetimeFigureOut">
               <a:rPr lang="en-US" smtClean="0"/>
-              <a:t>9/26/17</a:t>
+              <a:t>9/28/17</a:t>
             </a:fld>
             <a:endParaRPr lang="en-US"/>
           </a:p>
@@ -3186,7 +3191,7 @@
           <a:p>
             <a:fld id="{A2849F09-FB7A-2949-B4A2-32B57A66BBED}" type="datetimeFigureOut">
               <a:rPr lang="en-US" smtClean="0"/>
-              <a:t>9/26/17</a:t>
+              <a:t>9/28/17</a:t>
             </a:fld>
             <a:endParaRPr lang="en-US"/>
           </a:p>
@@ -3553,7 +3558,7 @@
           <a:p>
             <a:fld id="{A2849F09-FB7A-2949-B4A2-32B57A66BBED}" type="datetimeFigureOut">
               <a:rPr lang="en-US" smtClean="0"/>
-              <a:t>9/26/17</a:t>
+              <a:t>9/28/17</a:t>
             </a:fld>
             <a:endParaRPr lang="en-US"/>
           </a:p>
@@ -3671,7 +3676,7 @@
           <a:p>
             <a:fld id="{A2849F09-FB7A-2949-B4A2-32B57A66BBED}" type="datetimeFigureOut">
               <a:rPr lang="en-US" smtClean="0"/>
-              <a:t>9/26/17</a:t>
+              <a:t>9/28/17</a:t>
             </a:fld>
             <a:endParaRPr lang="en-US"/>
           </a:p>
@@ -3766,7 +3771,7 @@
           <a:p>
             <a:fld id="{A2849F09-FB7A-2949-B4A2-32B57A66BBED}" type="datetimeFigureOut">
               <a:rPr lang="en-US" smtClean="0"/>
-              <a:t>9/26/17</a:t>
+              <a:t>9/28/17</a:t>
             </a:fld>
             <a:endParaRPr lang="en-US"/>
           </a:p>
@@ -4043,7 +4048,7 @@
           <a:p>
             <a:fld id="{A2849F09-FB7A-2949-B4A2-32B57A66BBED}" type="datetimeFigureOut">
               <a:rPr lang="en-US" smtClean="0"/>
-              <a:t>9/26/17</a:t>
+              <a:t>9/28/17</a:t>
             </a:fld>
             <a:endParaRPr lang="en-US"/>
           </a:p>
@@ -4296,7 +4301,7 @@
           <a:p>
             <a:fld id="{A2849F09-FB7A-2949-B4A2-32B57A66BBED}" type="datetimeFigureOut">
               <a:rPr lang="en-US" smtClean="0"/>
-              <a:t>9/26/17</a:t>
+              <a:t>9/28/17</a:t>
             </a:fld>
             <a:endParaRPr lang="en-US"/>
           </a:p>
@@ -4509,7 +4514,7 @@
           <a:p>
             <a:fld id="{A2849F09-FB7A-2949-B4A2-32B57A66BBED}" type="datetimeFigureOut">
               <a:rPr lang="en-US" smtClean="0"/>
-              <a:t>9/26/17</a:t>
+              <a:t>9/28/17</a:t>
             </a:fld>
             <a:endParaRPr lang="en-US"/>
           </a:p>
@@ -5524,14 +5529,14 @@
             </a:r>
             <a:r>
               <a:rPr lang="en-US" altLang="zh-CN" dirty="0" smtClean="0"/>
-              <a:t>drag</a:t>
-            </a:r>
-            <a:r>
-              <a:rPr lang="zh-CN" altLang="en-US" dirty="0" smtClean="0"/>
-              <a:t> </a:t>
-            </a:r>
-            <a:r>
-              <a:rPr lang="en-US" altLang="zh-CN" dirty="0" smtClean="0"/>
+              <a:t>brush</a:t>
+            </a:r>
+            <a:r>
+              <a:rPr lang="zh-CN" altLang="en-US" smtClean="0"/>
+              <a:t> </a:t>
+            </a:r>
+            <a:r>
+              <a:rPr lang="en-US" altLang="zh-CN" smtClean="0"/>
               <a:t>on</a:t>
             </a:r>
             <a:r>
